--- a/lectures/DJ-04-Views-Templates.pptx
+++ b/lectures/DJ-04-Views-Templates.pptx
@@ -3304,10 +3304,10 @@
           <p:cNvPr id="10" name="Rectangle 9">
             <a:extLst>
               <a:ext uri="{FF2B5EF4-FFF2-40B4-BE49-F238E27FC236}">
-                <a16:creationId xmlns="" xmlns:a16="http://schemas.microsoft.com/office/drawing/2014/main" id="{E20EB187-900F-4AF5-813B-101456D9FD39}"/>
+                <a16:creationId xmlns:a16="http://schemas.microsoft.com/office/drawing/2014/main" xmlns="" id="{E20EB187-900F-4AF5-813B-101456D9FD39}"/>
               </a:ext>
               <a:ext uri="{C183D7F6-B498-43B3-948B-1728B52AA6E4}">
-                <adec:decorative xmlns="" xmlns:adec="http://schemas.microsoft.com/office/drawing/2017/decorative" val="1"/>
+                <adec:decorative xmlns:adec="http://schemas.microsoft.com/office/drawing/2017/decorative" xmlns="" val="1"/>
               </a:ext>
             </a:extLst>
           </p:cNvPr>
@@ -3488,10 +3488,10 @@
           <p:cNvPr id="12" name="Straight Connector 11">
             <a:extLst>
               <a:ext uri="{FF2B5EF4-FFF2-40B4-BE49-F238E27FC236}">
-                <a16:creationId xmlns="" xmlns:a16="http://schemas.microsoft.com/office/drawing/2014/main" id="{624D17C8-E9C2-48A4-AA36-D7048A6CCC41}"/>
+                <a16:creationId xmlns:a16="http://schemas.microsoft.com/office/drawing/2014/main" xmlns="" id="{624D17C8-E9C2-48A4-AA36-D7048A6CCC41}"/>
               </a:ext>
               <a:ext uri="{C183D7F6-B498-43B3-948B-1728B52AA6E4}">
-                <adec:decorative xmlns="" xmlns:adec="http://schemas.microsoft.com/office/drawing/2017/decorative" val="1"/>
+                <adec:decorative xmlns:adec="http://schemas.microsoft.com/office/drawing/2017/decorative" xmlns="" val="1"/>
               </a:ext>
             </a:extLst>
           </p:cNvPr>
@@ -3599,6 +3599,13 @@
   <p:clrMapOvr>
     <a:masterClrMapping/>
   </p:clrMapOvr>
+  <p:timing>
+    <p:tnLst>
+      <p:par>
+        <p:cTn id="1" dur="indefinite" restart="never" nodeType="tmRoot"/>
+      </p:par>
+    </p:tnLst>
+  </p:timing>
 </p:sld>
 </file>
 
@@ -4533,6 +4540,13 @@
   <p:clrMapOvr>
     <a:masterClrMapping/>
   </p:clrMapOvr>
+  <p:timing>
+    <p:tnLst>
+      <p:par>
+        <p:cTn id="1" dur="indefinite" restart="never" nodeType="tmRoot"/>
+      </p:par>
+    </p:tnLst>
+  </p:timing>
 </p:sld>
 </file>
 
@@ -6444,6 +6458,13 @@
   <p:clrMapOvr>
     <a:masterClrMapping/>
   </p:clrMapOvr>
+  <p:timing>
+    <p:tnLst>
+      <p:par>
+        <p:cTn id="1" dur="indefinite" restart="never" nodeType="tmRoot"/>
+      </p:par>
+    </p:tnLst>
+  </p:timing>
 </p:sld>
 </file>
 
@@ -7757,6 +7778,13 @@
   <p:clrMapOvr>
     <a:masterClrMapping/>
   </p:clrMapOvr>
+  <p:timing>
+    <p:tnLst>
+      <p:par>
+        <p:cTn id="1" dur="indefinite" restart="never" nodeType="tmRoot"/>
+      </p:par>
+    </p:tnLst>
+  </p:timing>
 </p:sld>
 </file>
 
@@ -7895,7 +7923,7 @@
                 <a:ea typeface="Courier New" charset="0"/>
                 <a:cs typeface="Courier New" charset="0"/>
               </a:rPr>
-              <a:t>cat.pk</a:t>
+              <a:t>cat.id</a:t>
             </a:r>
             <a:r>
               <a:rPr lang="en-US" sz="2800" b="1" dirty="0" smtClean="0">
@@ -7903,7 +7931,15 @@
                 <a:ea typeface="Courier New" charset="0"/>
                 <a:cs typeface="Courier New" charset="0"/>
               </a:rPr>
-              <a:t> %}</a:t>
+              <a:t> </a:t>
+            </a:r>
+            <a:r>
+              <a:rPr lang="en-US" sz="2800" b="1" dirty="0" smtClean="0">
+                <a:latin typeface="Courier New" charset="0"/>
+                <a:ea typeface="Courier New" charset="0"/>
+                <a:cs typeface="Courier New" charset="0"/>
+              </a:rPr>
+              <a:t>%}</a:t>
             </a:r>
           </a:p>
           <a:p>
@@ -8177,6 +8213,13 @@
   <p:clrMapOvr>
     <a:masterClrMapping/>
   </p:clrMapOvr>
+  <p:timing>
+    <p:tnLst>
+      <p:par>
+        <p:cTn id="1" dur="indefinite" restart="never" nodeType="tmRoot"/>
+      </p:par>
+    </p:tnLst>
+  </p:timing>
 </p:sld>
 </file>
 
@@ -9747,6 +9790,13 @@
   <p:clrMapOvr>
     <a:masterClrMapping/>
   </p:clrMapOvr>
+  <p:timing>
+    <p:tnLst>
+      <p:par>
+        <p:cTn id="1" dur="indefinite" restart="never" nodeType="tmRoot"/>
+      </p:par>
+    </p:tnLst>
+  </p:timing>
 </p:sld>
 </file>
 
@@ -12436,6 +12486,13 @@
   <p:clrMapOvr>
     <a:masterClrMapping/>
   </p:clrMapOvr>
+  <p:timing>
+    <p:tnLst>
+      <p:par>
+        <p:cTn id="1" dur="indefinite" restart="never" nodeType="tmRoot"/>
+      </p:par>
+    </p:tnLst>
+  </p:timing>
 </p:sld>
 </file>
 
@@ -12542,6 +12599,13 @@
   <p:clrMapOvr>
     <a:masterClrMapping/>
   </p:clrMapOvr>
+  <p:timing>
+    <p:tnLst>
+      <p:par>
+        <p:cTn id="1" dur="indefinite" restart="never" nodeType="tmRoot"/>
+      </p:par>
+    </p:tnLst>
+  </p:timing>
 </p:sld>
 </file>
 
@@ -15441,6 +15505,13 @@
   <p:clrMapOvr>
     <a:masterClrMapping/>
   </p:clrMapOvr>
+  <p:timing>
+    <p:tnLst>
+      <p:par>
+        <p:cTn id="1" dur="indefinite" restart="never" nodeType="tmRoot"/>
+      </p:par>
+    </p:tnLst>
+  </p:timing>
 </p:sld>
 </file>
 
@@ -15872,6 +15943,13 @@
   <p:clrMapOvr>
     <a:masterClrMapping/>
   </p:clrMapOvr>
+  <p:timing>
+    <p:tnLst>
+      <p:par>
+        <p:cTn id="1" dur="indefinite" restart="never" nodeType="tmRoot"/>
+      </p:par>
+    </p:tnLst>
+  </p:timing>
 </p:sld>
 </file>
 
@@ -16934,6 +17012,13 @@
   <p:clrMapOvr>
     <a:masterClrMapping/>
   </p:clrMapOvr>
+  <p:timing>
+    <p:tnLst>
+      <p:par>
+        <p:cTn id="1" dur="indefinite" restart="never" nodeType="tmRoot"/>
+      </p:par>
+    </p:tnLst>
+  </p:timing>
 </p:sld>
 </file>
 
@@ -18109,6 +18194,13 @@
   <p:clrMapOvr>
     <a:masterClrMapping/>
   </p:clrMapOvr>
+  <p:timing>
+    <p:tnLst>
+      <p:par>
+        <p:cTn id="1" dur="indefinite" restart="never" nodeType="tmRoot"/>
+      </p:par>
+    </p:tnLst>
+  </p:timing>
 </p:sld>
 </file>
 
@@ -18918,6 +19010,13 @@
   <p:clrMapOvr>
     <a:masterClrMapping/>
   </p:clrMapOvr>
+  <p:timing>
+    <p:tnLst>
+      <p:par>
+        <p:cTn id="1" dur="indefinite" restart="never" nodeType="tmRoot"/>
+      </p:par>
+    </p:tnLst>
+  </p:timing>
 </p:sld>
 </file>
 
@@ -19800,6 +19899,13 @@
   <p:clrMapOvr>
     <a:masterClrMapping/>
   </p:clrMapOvr>
+  <p:timing>
+    <p:tnLst>
+      <p:par>
+        <p:cTn id="1" dur="indefinite" restart="never" nodeType="tmRoot"/>
+      </p:par>
+    </p:tnLst>
+  </p:timing>
 </p:sld>
 </file>
 
@@ -20951,6 +21057,13 @@
   <p:clrMapOvr>
     <a:masterClrMapping/>
   </p:clrMapOvr>
+  <p:timing>
+    <p:tnLst>
+      <p:par>
+        <p:cTn id="1" dur="indefinite" restart="never" nodeType="tmRoot"/>
+      </p:par>
+    </p:tnLst>
+  </p:timing>
 </p:sld>
 </file>
 
@@ -21052,6 +21165,13 @@
   <p:clrMapOvr>
     <a:masterClrMapping/>
   </p:clrMapOvr>
+  <p:timing>
+    <p:tnLst>
+      <p:par>
+        <p:cTn id="1" dur="indefinite" restart="never" nodeType="tmRoot"/>
+      </p:par>
+    </p:tnLst>
+  </p:timing>
 </p:sld>
 </file>
 
